--- a/Latihan 6/implementasi graph dan tree.pptx
+++ b/Latihan 6/implementasi graph dan tree.pptx
@@ -340,7 +340,7 @@
           <inkml:channelProperty channel="Y" name="resolution" value="1000" units="1/cm"/>
         </inkml:channelProperties>
       </inkml:inkSource>
-      <inkml:timestamp xml:id="ts0" timeString="2022-02-22T06:57:39.136"/>
+      <inkml:timestamp xml:id="ts0" timeString="2022-02-22T06:58:08.009"/>
     </inkml:context>
     <inkml:brush xml:id="br0">
       <inkml:brushProperty name="width" value="0.3" units="cm"/>
@@ -351,7 +351,7 @@
       <inkml:brushProperty name="ignorePressure" value="1"/>
     </inkml:brush>
   </inkml:definitions>
-  <inkml:trace contextRef="#ctx0" brushRef="#br0">0 1,'1901'0,"-1849"0</inkml:trace>
+  <inkml:trace contextRef="#ctx0" brushRef="#br0">0 2,'134'-2,"154"6,-273-2,-1 0,1 1,-1 1,0 0,0 1,16 7,73 47,-73-40,-7-7,36 15,-37-18,-1 1,23 14,-14-6,0-1,1-1,0-2,1-1,0-2,1-1,1-2,-1-1,1-1,63 2,14-6,-46-1,116 15,-86-2,111 2,95-13,-293-4,37 1</inkml:trace>
 </inkml:ink>
 </file>
 
@@ -369,7 +369,7 @@
           <inkml:channelProperty channel="Y" name="resolution" value="1000" units="1/cm"/>
         </inkml:channelProperties>
       </inkml:inkSource>
-      <inkml:timestamp xml:id="ts0" timeString="2022-02-22T07:01:19.573"/>
+      <inkml:timestamp xml:id="ts0" timeString="2022-02-24T05:03:53.375"/>
     </inkml:context>
     <inkml:brush xml:id="br0">
       <inkml:brushProperty name="width" value="0.3" units="cm"/>
@@ -380,7 +380,7 @@
       <inkml:brushProperty name="ignorePressure" value="1"/>
     </inkml:brush>
   </inkml:definitions>
-  <inkml:trace contextRef="#ctx0" brushRef="#br0">1 269,'30'-1,"-1"-2,1-1,28-8,-3 1,-10 3,713-123,4 41,-93 82,-388 11,185-3,-389 3,100 19,20 0,133-13,-296-4,0 0,-1 3,0 1,37 14,-35-10,2-2,66 12,55-15,-113-8</inkml:trace>
+  <inkml:trace contextRef="#ctx0" brushRef="#br0">1 0,'46'2,"0"1,-1 3,52 12,129 46,-80-21,229 71,-259-77,-42-15,1-3,0-3,2-3,-1-4,97 0,-127-8,-29 0,0 0,-1-1,1-1,0-1,-1 0,1-1,19-6,-32 7,0 0,0 0,-1-1,1 1,-1-1,0 0,0 1,0-1,0-1,0 1,0 0,-1-1,0 1,1-1,-1 0,-1 0,3-6,0-1,-1-1,-1 0,0 0,1-21,-2-11</inkml:trace>
 </inkml:ink>
 </file>
 
@@ -398,7 +398,7 @@
           <inkml:channelProperty channel="Y" name="resolution" value="1000" units="1/cm"/>
         </inkml:channelProperties>
       </inkml:inkSource>
-      <inkml:timestamp xml:id="ts0" timeString="2022-02-22T07:01:22.261"/>
+      <inkml:timestamp xml:id="ts0" timeString="2022-02-24T05:03:55.129"/>
     </inkml:context>
     <inkml:brush xml:id="br0">
       <inkml:brushProperty name="width" value="0.3" units="cm"/>
@@ -409,7 +409,7 @@
       <inkml:brushProperty name="ignorePressure" value="1"/>
     </inkml:brush>
   </inkml:definitions>
-  <inkml:trace contextRef="#ctx0" brushRef="#br0">1 1,'4025'0,"-3981"0</inkml:trace>
+  <inkml:trace contextRef="#ctx0" brushRef="#br0">0 267,'104'1,"168"-22,-146 4,171 0,-265 16,-1-2,0-1,53-14,85-36,-117 35,0 1,2 4,70-11,-60 18,92-13,-64 6,2 5,159 3,-196 6</inkml:trace>
 </inkml:ink>
 </file>
 
@@ -427,7 +427,7 @@
           <inkml:channelProperty channel="Y" name="resolution" value="1000" units="1/cm"/>
         </inkml:channelProperties>
       </inkml:inkSource>
-      <inkml:timestamp xml:id="ts0" timeString="2022-02-22T07:01:28.471"/>
+      <inkml:timestamp xml:id="ts0" timeString="2022-02-24T05:03:57.056"/>
     </inkml:context>
     <inkml:brush xml:id="br0">
       <inkml:brushProperty name="width" value="0.3" units="cm"/>
@@ -438,98 +438,11 @@
       <inkml:brushProperty name="ignorePressure" value="1"/>
     </inkml:brush>
   </inkml:definitions>
-  <inkml:trace contextRef="#ctx0" brushRef="#br0">0 373,'14'-1,"-1"0,1-1,20-6,6-1,113-10,-82 12,127-30,-39-5,226-28,-34 29,-89 8,188-32,-363 50,0 3,2 5,102 4,547 5,-706 0,1 2,-1 1,0 1,-1 2,0 1,43 18,65 13,-34-12,-8-4,-66-18,0 2,42 15,203 64,-241-78,14 2,0-3,59 3,-42-5,-33-1,42 12,-43-9,44 6,-29-11,-4-1</inkml:trace>
+  <inkml:trace contextRef="#ctx0" brushRef="#br0">1 0,'3940'0,"-3915"0,-1 1,0 1,0 1,0 1,0 1,0 1,-1 1,36 16,-40-14,0 0,1-2,1 0,-1-1,31 4,-9-5,72 0,-69-5</inkml:trace>
 </inkml:ink>
 </file>
 
 <file path=ppt/ink/ink13.xml><?xml version="1.0" encoding="utf-8"?>
-<inkml:ink xmlns:inkml="http://www.w3.org/2003/InkML">
-  <inkml:definitions>
-    <inkml:context xml:id="ctx0">
-      <inkml:inkSource xml:id="inkSrc0">
-        <inkml:traceFormat>
-          <inkml:channel name="X" type="integer" min="-2.14748E9" max="2.14748E9" units="cm"/>
-          <inkml:channel name="Y" type="integer" min="-2.14748E9" max="2.14748E9" units="cm"/>
-        </inkml:traceFormat>
-        <inkml:channelProperties>
-          <inkml:channelProperty channel="X" name="resolution" value="1000" units="1/cm"/>
-          <inkml:channelProperty channel="Y" name="resolution" value="1000" units="1/cm"/>
-        </inkml:channelProperties>
-      </inkml:inkSource>
-      <inkml:timestamp xml:id="ts0" timeString="2022-02-22T07:01:31.090"/>
-    </inkml:context>
-    <inkml:brush xml:id="br0">
-      <inkml:brushProperty name="width" value="0.3" units="cm"/>
-      <inkml:brushProperty name="height" value="0.6" units="cm"/>
-      <inkml:brushProperty name="color" value="#FFFC00"/>
-      <inkml:brushProperty name="tip" value="rectangle"/>
-      <inkml:brushProperty name="rasterOp" value="maskPen"/>
-      <inkml:brushProperty name="ignorePressure" value="1"/>
-    </inkml:brush>
-  </inkml:definitions>
-  <inkml:trace contextRef="#ctx0" brushRef="#br0">0 1,'4976'0,"-4930"0</inkml:trace>
-</inkml:ink>
-</file>
-
-<file path=ppt/ink/ink14.xml><?xml version="1.0" encoding="utf-8"?>
-<inkml:ink xmlns:inkml="http://www.w3.org/2003/InkML">
-  <inkml:definitions>
-    <inkml:context xml:id="ctx0">
-      <inkml:inkSource xml:id="inkSrc0">
-        <inkml:traceFormat>
-          <inkml:channel name="X" type="integer" min="-2.14748E9" max="2.14748E9" units="cm"/>
-          <inkml:channel name="Y" type="integer" min="-2.14748E9" max="2.14748E9" units="cm"/>
-        </inkml:traceFormat>
-        <inkml:channelProperties>
-          <inkml:channelProperty channel="X" name="resolution" value="1000" units="1/cm"/>
-          <inkml:channelProperty channel="Y" name="resolution" value="1000" units="1/cm"/>
-        </inkml:channelProperties>
-      </inkml:inkSource>
-      <inkml:timestamp xml:id="ts0" timeString="2022-02-22T07:01:36.610"/>
-    </inkml:context>
-    <inkml:brush xml:id="br0">
-      <inkml:brushProperty name="width" value="0.3" units="cm"/>
-      <inkml:brushProperty name="height" value="0.6" units="cm"/>
-      <inkml:brushProperty name="color" value="#FFFC00"/>
-      <inkml:brushProperty name="tip" value="rectangle"/>
-      <inkml:brushProperty name="rasterOp" value="maskPen"/>
-      <inkml:brushProperty name="ignorePressure" value="1"/>
-    </inkml:brush>
-  </inkml:definitions>
-  <inkml:trace contextRef="#ctx0" brushRef="#br0">0 160,'2365'0,"-2291"-4,-1-3,0-3,72-21,73-11,-75 13,-97 17,0 3,60-5,344 12,-216 5,559-3,-748 0</inkml:trace>
-</inkml:ink>
-</file>
-
-<file path=ppt/ink/ink15.xml><?xml version="1.0" encoding="utf-8"?>
-<inkml:ink xmlns:inkml="http://www.w3.org/2003/InkML">
-  <inkml:definitions>
-    <inkml:context xml:id="ctx0">
-      <inkml:inkSource xml:id="inkSrc0">
-        <inkml:traceFormat>
-          <inkml:channel name="X" type="integer" min="-2.14748E9" max="2.14748E9" units="cm"/>
-          <inkml:channel name="Y" type="integer" min="-2.14748E9" max="2.14748E9" units="cm"/>
-        </inkml:traceFormat>
-        <inkml:channelProperties>
-          <inkml:channelProperty channel="X" name="resolution" value="1000" units="1/cm"/>
-          <inkml:channelProperty channel="Y" name="resolution" value="1000" units="1/cm"/>
-        </inkml:channelProperties>
-      </inkml:inkSource>
-      <inkml:timestamp xml:id="ts0" timeString="2022-02-22T07:02:01.182"/>
-    </inkml:context>
-    <inkml:brush xml:id="br0">
-      <inkml:brushProperty name="width" value="0.3" units="cm"/>
-      <inkml:brushProperty name="height" value="0.6" units="cm"/>
-      <inkml:brushProperty name="color" value="#FFFC00"/>
-      <inkml:brushProperty name="tip" value="rectangle"/>
-      <inkml:brushProperty name="rasterOp" value="maskPen"/>
-      <inkml:brushProperty name="ignorePressure" value="1"/>
-    </inkml:brush>
-  </inkml:definitions>
-  <inkml:trace contextRef="#ctx0" brushRef="#br0">0 322,'32'-1,"-1"-2,51-12,-11 1,59-2,111-22,197-80,-204 51,-172 52,1 2,1 3,0 3,128 2,276 10,-447-5,1 2,0 0,-1 1,1 1,-1 1,0 1,-1 1,1 1,30 16,-17-5</inkml:trace>
-</inkml:ink>
-</file>
-
-<file path=ppt/ink/ink16.xml><?xml version="1.0" encoding="utf-8"?>
 <inkml:ink xmlns:inkml="http://www.w3.org/2003/InkML">
   <inkml:definitions>
     <inkml:context xml:id="ctx0">
@@ -558,7 +471,7 @@
 </inkml:ink>
 </file>
 
-<file path=ppt/ink/ink17.xml><?xml version="1.0" encoding="utf-8"?>
+<file path=ppt/ink/ink14.xml><?xml version="1.0" encoding="utf-8"?>
 <inkml:ink xmlns:inkml="http://www.w3.org/2003/InkML">
   <inkml:definitions>
     <inkml:context xml:id="ctx0">
@@ -587,7 +500,7 @@
 </inkml:ink>
 </file>
 
-<file path=ppt/ink/ink18.xml><?xml version="1.0" encoding="utf-8"?>
+<file path=ppt/ink/ink15.xml><?xml version="1.0" encoding="utf-8"?>
 <inkml:ink xmlns:inkml="http://www.w3.org/2003/InkML">
   <inkml:definitions>
     <inkml:context xml:id="ctx0">
@@ -616,7 +529,7 @@
 </inkml:ink>
 </file>
 
-<file path=ppt/ink/ink19.xml><?xml version="1.0" encoding="utf-8"?>
+<file path=ppt/ink/ink16.xml><?xml version="1.0" encoding="utf-8"?>
 <inkml:ink xmlns:inkml="http://www.w3.org/2003/InkML">
   <inkml:definitions>
     <inkml:context xml:id="ctx0">
@@ -645,36 +558,7 @@
 </inkml:ink>
 </file>
 
-<file path=ppt/ink/ink2.xml><?xml version="1.0" encoding="utf-8"?>
-<inkml:ink xmlns:inkml="http://www.w3.org/2003/InkML">
-  <inkml:definitions>
-    <inkml:context xml:id="ctx0">
-      <inkml:inkSource xml:id="inkSrc0">
-        <inkml:traceFormat>
-          <inkml:channel name="X" type="integer" min="-2.14748E9" max="2.14748E9" units="cm"/>
-          <inkml:channel name="Y" type="integer" min="-2.14748E9" max="2.14748E9" units="cm"/>
-        </inkml:traceFormat>
-        <inkml:channelProperties>
-          <inkml:channelProperty channel="X" name="resolution" value="1000" units="1/cm"/>
-          <inkml:channelProperty channel="Y" name="resolution" value="1000" units="1/cm"/>
-        </inkml:channelProperties>
-      </inkml:inkSource>
-      <inkml:timestamp xml:id="ts0" timeString="2022-02-22T06:57:45.852"/>
-    </inkml:context>
-    <inkml:brush xml:id="br0">
-      <inkml:brushProperty name="width" value="0.3" units="cm"/>
-      <inkml:brushProperty name="height" value="0.6" units="cm"/>
-      <inkml:brushProperty name="color" value="#FFFC00"/>
-      <inkml:brushProperty name="tip" value="rectangle"/>
-      <inkml:brushProperty name="rasterOp" value="maskPen"/>
-      <inkml:brushProperty name="ignorePressure" value="1"/>
-    </inkml:brush>
-  </inkml:definitions>
-  <inkml:trace contextRef="#ctx0" brushRef="#br0">0 162,'15'0,"-1"-2,0 0,0-1,27-8,-1-1,448-86,-357 81,239 0,345 22,-596-5,-74 0</inkml:trace>
-</inkml:ink>
-</file>
-
-<file path=ppt/ink/ink20.xml><?xml version="1.0" encoding="utf-8"?>
+<file path=ppt/ink/ink17.xml><?xml version="1.0" encoding="utf-8"?>
 <inkml:ink xmlns:inkml="http://www.w3.org/2003/InkML">
   <inkml:definitions>
     <inkml:context xml:id="ctx0">
@@ -703,7 +587,7 @@
 </inkml:ink>
 </file>
 
-<file path=ppt/ink/ink21.xml><?xml version="1.0" encoding="utf-8"?>
+<file path=ppt/ink/ink18.xml><?xml version="1.0" encoding="utf-8"?>
 <inkml:ink xmlns:inkml="http://www.w3.org/2003/InkML">
   <inkml:definitions>
     <inkml:context xml:id="ctx0">
@@ -732,7 +616,7 @@
 </inkml:ink>
 </file>
 
-<file path=ppt/ink/ink22.xml><?xml version="1.0" encoding="utf-8"?>
+<file path=ppt/ink/ink19.xml><?xml version="1.0" encoding="utf-8"?>
 <inkml:ink xmlns:inkml="http://www.w3.org/2003/InkML">
   <inkml:definitions>
     <inkml:context xml:id="ctx0">
@@ -761,7 +645,36 @@
 </inkml:ink>
 </file>
 
-<file path=ppt/ink/ink23.xml><?xml version="1.0" encoding="utf-8"?>
+<file path=ppt/ink/ink2.xml><?xml version="1.0" encoding="utf-8"?>
+<inkml:ink xmlns:inkml="http://www.w3.org/2003/InkML">
+  <inkml:definitions>
+    <inkml:context xml:id="ctx0">
+      <inkml:inkSource xml:id="inkSrc0">
+        <inkml:traceFormat>
+          <inkml:channel name="X" type="integer" min="-2.14748E9" max="2.14748E9" units="cm"/>
+          <inkml:channel name="Y" type="integer" min="-2.14748E9" max="2.14748E9" units="cm"/>
+        </inkml:traceFormat>
+        <inkml:channelProperties>
+          <inkml:channelProperty channel="X" name="resolution" value="1000" units="1/cm"/>
+          <inkml:channelProperty channel="Y" name="resolution" value="1000" units="1/cm"/>
+        </inkml:channelProperties>
+      </inkml:inkSource>
+      <inkml:timestamp xml:id="ts0" timeString="2022-02-22T06:58:43.795"/>
+    </inkml:context>
+    <inkml:brush xml:id="br0">
+      <inkml:brushProperty name="width" value="0.3" units="cm"/>
+      <inkml:brushProperty name="height" value="0.6" units="cm"/>
+      <inkml:brushProperty name="color" value="#FFFC00"/>
+      <inkml:brushProperty name="tip" value="rectangle"/>
+      <inkml:brushProperty name="rasterOp" value="maskPen"/>
+      <inkml:brushProperty name="ignorePressure" value="1"/>
+    </inkml:brush>
+  </inkml:definitions>
+  <inkml:trace contextRef="#ctx0" brushRef="#br0">0 0,'694'0,"-633"4,109 19,22 2,30-25,30 2,-212 3,43 12,6 1,33 11,-22-4,-61-18</inkml:trace>
+</inkml:ink>
+</file>
+
+<file path=ppt/ink/ink20.xml><?xml version="1.0" encoding="utf-8"?>
 <inkml:ink xmlns:inkml="http://www.w3.org/2003/InkML">
   <inkml:definitions>
     <inkml:context xml:id="ctx0">
@@ -790,7 +703,7 @@
 </inkml:ink>
 </file>
 
-<file path=ppt/ink/ink24.xml><?xml version="1.0" encoding="utf-8"?>
+<file path=ppt/ink/ink21.xml><?xml version="1.0" encoding="utf-8"?>
 <inkml:ink xmlns:inkml="http://www.w3.org/2003/InkML">
   <inkml:definitions>
     <inkml:context xml:id="ctx0">
@@ -819,7 +732,7 @@
 </inkml:ink>
 </file>
 
-<file path=ppt/ink/ink25.xml><?xml version="1.0" encoding="utf-8"?>
+<file path=ppt/ink/ink22.xml><?xml version="1.0" encoding="utf-8"?>
 <inkml:ink xmlns:inkml="http://www.w3.org/2003/InkML">
   <inkml:definitions>
     <inkml:context xml:id="ctx0">
@@ -848,7 +761,7 @@
 </inkml:ink>
 </file>
 
-<file path=ppt/ink/ink26.xml><?xml version="1.0" encoding="utf-8"?>
+<file path=ppt/ink/ink23.xml><?xml version="1.0" encoding="utf-8"?>
 <inkml:ink xmlns:inkml="http://www.w3.org/2003/InkML">
   <inkml:definitions>
     <inkml:context xml:id="ctx0">
@@ -891,7 +804,7 @@
           <inkml:channelProperty channel="Y" name="resolution" value="1000" units="1/cm"/>
         </inkml:channelProperties>
       </inkml:inkSource>
-      <inkml:timestamp xml:id="ts0" timeString="2022-02-22T06:58:08.009"/>
+      <inkml:timestamp xml:id="ts0" timeString="2022-02-22T07:01:13.408"/>
     </inkml:context>
     <inkml:brush xml:id="br0">
       <inkml:brushProperty name="width" value="0.3" units="cm"/>
@@ -902,7 +815,7 @@
       <inkml:brushProperty name="ignorePressure" value="1"/>
     </inkml:brush>
   </inkml:definitions>
-  <inkml:trace contextRef="#ctx0" brushRef="#br0">0 2,'134'-2,"154"6,-273-2,-1 0,1 1,-1 1,0 0,0 1,16 7,73 47,-73-40,-7-7,36 15,-37-18,-1 1,23 14,-14-6,0-1,1-1,0-2,1-1,0-2,1-1,1-2,-1-1,1-1,63 2,14-6,-46-1,116 15,-86-2,111 2,95-13,-293-4,37 1</inkml:trace>
+  <inkml:trace contextRef="#ctx0" brushRef="#br0">0 0,'4131'0,"-4087"0</inkml:trace>
 </inkml:ink>
 </file>
 
@@ -920,7 +833,7 @@
           <inkml:channelProperty channel="Y" name="resolution" value="1000" units="1/cm"/>
         </inkml:channelProperties>
       </inkml:inkSource>
-      <inkml:timestamp xml:id="ts0" timeString="2022-02-22T06:58:43.795"/>
+      <inkml:timestamp xml:id="ts0" timeString="2022-02-22T07:01:28.471"/>
     </inkml:context>
     <inkml:brush xml:id="br0">
       <inkml:brushProperty name="width" value="0.3" units="cm"/>
@@ -931,7 +844,7 @@
       <inkml:brushProperty name="ignorePressure" value="1"/>
     </inkml:brush>
   </inkml:definitions>
-  <inkml:trace contextRef="#ctx0" brushRef="#br0">0 0,'694'0,"-633"4,109 19,22 2,30-25,30 2,-212 3,43 12,6 1,33 11,-22-4,-61-18</inkml:trace>
+  <inkml:trace contextRef="#ctx0" brushRef="#br0">0 373,'14'-1,"-1"0,1-1,20-6,6-1,113-10,-82 12,127-30,-39-5,226-28,-34 29,-89 8,188-32,-363 50,0 3,2 5,102 4,547 5,-706 0,1 2,-1 1,0 1,-1 2,0 1,43 18,65 13,-34-12,-8-4,-66-18,0 2,42 15,203 64,-241-78,14 2,0-3,59 3,-42-5,-33-1,42 12,-43-9,44 6,-29-11,-4-1</inkml:trace>
 </inkml:ink>
 </file>
 
@@ -949,7 +862,7 @@
           <inkml:channelProperty channel="Y" name="resolution" value="1000" units="1/cm"/>
         </inkml:channelProperties>
       </inkml:inkSource>
-      <inkml:timestamp xml:id="ts0" timeString="2022-02-22T06:59:10.505"/>
+      <inkml:timestamp xml:id="ts0" timeString="2022-02-22T07:01:31.090"/>
     </inkml:context>
     <inkml:brush xml:id="br0">
       <inkml:brushProperty name="width" value="0.3" units="cm"/>
@@ -960,7 +873,7 @@
       <inkml:brushProperty name="ignorePressure" value="1"/>
     </inkml:brush>
   </inkml:definitions>
-  <inkml:trace contextRef="#ctx0" brushRef="#br0">1 2,'112'-1,"128"4,-207 1,64 17,-61-12,39 5,-34-7,0 2,77 28,-80-23,1-2,0-2,59 9,340-13,-239-10,443 4,-586 0</inkml:trace>
+  <inkml:trace contextRef="#ctx0" brushRef="#br0">0 1,'4976'0,"-4930"0</inkml:trace>
 </inkml:ink>
 </file>
 
@@ -978,7 +891,7 @@
           <inkml:channelProperty channel="Y" name="resolution" value="1000" units="1/cm"/>
         </inkml:channelProperties>
       </inkml:inkSource>
-      <inkml:timestamp xml:id="ts0" timeString="2022-02-22T06:59:38.369"/>
+      <inkml:timestamp xml:id="ts0" timeString="2022-02-22T07:01:36.610"/>
     </inkml:context>
     <inkml:brush xml:id="br0">
       <inkml:brushProperty name="width" value="0.3" units="cm"/>
@@ -989,7 +902,7 @@
       <inkml:brushProperty name="ignorePressure" value="1"/>
     </inkml:brush>
   </inkml:definitions>
-  <inkml:trace contextRef="#ctx0" brushRef="#br0">1 2,'140'-1,"163"4,-256 2,57 15,-60-11,65 7,356-12,-239-7,446 3,-620 0</inkml:trace>
+  <inkml:trace contextRef="#ctx0" brushRef="#br0">0 160,'2365'0,"-2291"-4,-1-3,0-3,72-21,73-11,-75 13,-97 17,0 3,60-5,344 12,-216 5,559-3,-748 0</inkml:trace>
 </inkml:ink>
 </file>
 
@@ -1007,7 +920,7 @@
           <inkml:channelProperty channel="Y" name="resolution" value="1000" units="1/cm"/>
         </inkml:channelProperties>
       </inkml:inkSource>
-      <inkml:timestamp xml:id="ts0" timeString="2022-02-22T07:01:13.408"/>
+      <inkml:timestamp xml:id="ts0" timeString="2022-02-22T07:02:01.182"/>
     </inkml:context>
     <inkml:brush xml:id="br0">
       <inkml:brushProperty name="width" value="0.3" units="cm"/>
@@ -1018,7 +931,7 @@
       <inkml:brushProperty name="ignorePressure" value="1"/>
     </inkml:brush>
   </inkml:definitions>
-  <inkml:trace contextRef="#ctx0" brushRef="#br0">0 0,'4131'0,"-4087"0</inkml:trace>
+  <inkml:trace contextRef="#ctx0" brushRef="#br0">0 322,'32'-1,"-1"-2,51-12,-11 1,59-2,111-22,197-80,-204 51,-172 52,1 2,1 3,0 3,128 2,276 10,-447-5,1 2,0 0,-1 1,1 1,-1 1,0 1,-1 1,1 1,30 16,-17-5</inkml:trace>
 </inkml:ink>
 </file>
 
@@ -1036,7 +949,7 @@
           <inkml:channelProperty channel="Y" name="resolution" value="1000" units="1/cm"/>
         </inkml:channelProperties>
       </inkml:inkSource>
-      <inkml:timestamp xml:id="ts0" timeString="2022-02-22T07:01:15.138"/>
+      <inkml:timestamp xml:id="ts0" timeString="2022-02-24T05:03:49.167"/>
     </inkml:context>
     <inkml:brush xml:id="br0">
       <inkml:brushProperty name="width" value="0.3" units="cm"/>
@@ -1047,7 +960,7 @@
       <inkml:brushProperty name="ignorePressure" value="1"/>
     </inkml:brush>
   </inkml:definitions>
-  <inkml:trace contextRef="#ctx0" brushRef="#br0">0 2,'156'-1,"180"4,-113 21,41 2,646-22,-461-7,-74 3,-338 2,0 2,-1 2,0 1,42 14,11 2,-33-10,231 47,-214-49,-1-3,76-2,5-8,-109 1</inkml:trace>
+  <inkml:trace contextRef="#ctx0" brushRef="#br0">1 1,'74'31,"2"-3,131 31,80 28,-212-61,154 30,-122-33,14 1,2-5,160 3,257-23,-229-3,371 4,-584-4,106-19,92-5,650 30,-901-2</inkml:trace>
 </inkml:ink>
 </file>
 
@@ -1065,7 +978,7 @@
           <inkml:channelProperty channel="Y" name="resolution" value="1000" units="1/cm"/>
         </inkml:channelProperties>
       </inkml:inkSource>
-      <inkml:timestamp xml:id="ts0" timeString="2022-02-22T07:01:17.621"/>
+      <inkml:timestamp xml:id="ts0" timeString="2022-02-24T05:03:51.785"/>
     </inkml:context>
     <inkml:brush xml:id="br0">
       <inkml:brushProperty name="width" value="0.3" units="cm"/>
@@ -1076,7 +989,7 @@
       <inkml:brushProperty name="ignorePressure" value="1"/>
     </inkml:brush>
   </inkml:definitions>
-  <inkml:trace contextRef="#ctx0" brushRef="#br0">0 217,'18'-1,"-1"0,0-1,19-5,16-3,310-19,-174 18,807-105,-898 99,188-6,702 25,-263 0,-688 0,-1 2,67 15,24 4,-43-17,-29-2,75 14,-47-3,1-5,0-3,102-5,-160-2,1 1,40 6,-22 4</inkml:trace>
+  <inkml:trace contextRef="#ctx0" brushRef="#br0">1 0,'239'3,"0"9,342 63,-435-46,235 15,-56-20,-37-2,26 6,62 2,355-30,-329-2,-356 2</inkml:trace>
 </inkml:ink>
 </file>
 
@@ -3626,7 +3539,7 @@
           </a:ln>
           <a:extLst>
             <a:ext uri="{C572A759-6A51-4108-AA02-DFA0A04FC94B}">
-              <ma14:wrappingTextBoxFlag xmlns="" xmlns:m="http://schemas.openxmlformats.org/officeDocument/2006/math" xmlns:a14="http://schemas.microsoft.com/office/drawing/2010/main" xmlns:ma14="http://schemas.microsoft.com/office/mac/drawingml/2011/main" val="1"/>
+              <ma14:wrappingTextBoxFlag xmlns:ma14="http://schemas.microsoft.com/office/mac/drawingml/2011/main" xmlns:a14="http://schemas.microsoft.com/office/drawing/2010/main" xmlns:m="http://schemas.openxmlformats.org/officeDocument/2006/math" xmlns="" val="1"/>
             </a:ext>
           </a:extLst>
         </p:spPr>
@@ -3665,7 +3578,7 @@
           </a:ln>
           <a:extLst>
             <a:ext uri="{C572A759-6A51-4108-AA02-DFA0A04FC94B}">
-              <ma14:wrappingTextBoxFlag xmlns="" xmlns:m="http://schemas.openxmlformats.org/officeDocument/2006/math" xmlns:a14="http://schemas.microsoft.com/office/drawing/2010/main" xmlns:ma14="http://schemas.microsoft.com/office/mac/drawingml/2011/main" val="1"/>
+              <ma14:wrappingTextBoxFlag xmlns:ma14="http://schemas.microsoft.com/office/mac/drawingml/2011/main" xmlns:a14="http://schemas.microsoft.com/office/drawing/2010/main" xmlns:m="http://schemas.openxmlformats.org/officeDocument/2006/math" xmlns="" val="1"/>
             </a:ext>
           </a:extLst>
         </p:spPr>
@@ -4506,7 +4419,7 @@
           </a:prstGeom>
           <a:extLst>
             <a:ext uri="{C572A759-6A51-4108-AA02-DFA0A04FC94B}">
-              <ma14:wrappingTextBoxFlag xmlns="" xmlns:m="http://schemas.openxmlformats.org/officeDocument/2006/math" xmlns:a14="http://schemas.microsoft.com/office/drawing/2010/main" xmlns:ma14="http://schemas.microsoft.com/office/mac/drawingml/2011/main" val="1"/>
+              <ma14:wrappingTextBoxFlag xmlns:ma14="http://schemas.microsoft.com/office/mac/drawingml/2011/main" xmlns:a14="http://schemas.microsoft.com/office/drawing/2010/main" xmlns:m="http://schemas.openxmlformats.org/officeDocument/2006/math" xmlns="" val="1"/>
             </a:ext>
           </a:extLst>
         </p:spPr>
@@ -5151,111 +5064,9 @@
           </a:prstGeom>
         </p:spPr>
       </p:pic>
-      <mc:AlternateContent xmlns:mc="http://schemas.openxmlformats.org/markup-compatibility/2006">
-        <mc:Choice xmlns:p14="http://schemas.microsoft.com/office/powerpoint/2010/main" Requires="p14">
+      <mc:AlternateContent xmlns:mc="http://schemas.openxmlformats.org/markup-compatibility/2006" xmlns:p14="http://schemas.microsoft.com/office/powerpoint/2010/main">
+        <mc:Choice Requires="p14">
           <p:contentPart p14:bwMode="auto" r:id="rId3">
-            <p14:nvContentPartPr>
-              <p14:cNvPr id="10" name="Ink 9">
-                <a:extLst>
-                  <a:ext uri="{FF2B5EF4-FFF2-40B4-BE49-F238E27FC236}">
-                    <a16:creationId xmlns:a16="http://schemas.microsoft.com/office/drawing/2014/main" id="{B3171133-FECE-46E6-9191-9A23F87116C4}"/>
-                  </a:ext>
-                </a:extLst>
-              </p14:cNvPr>
-              <p14:cNvContentPartPr/>
-              <p14:nvPr/>
-            </p14:nvContentPartPr>
-            <p14:xfrm>
-              <a:off x="4437750" y="5161920"/>
-              <a:ext cx="703440" cy="360"/>
-            </p14:xfrm>
-          </p:contentPart>
-        </mc:Choice>
-        <mc:Fallback>
-          <p:pic>
-            <p:nvPicPr>
-              <p:cNvPr id="10" name="Ink 9">
-                <a:extLst>
-                  <a:ext uri="{FF2B5EF4-FFF2-40B4-BE49-F238E27FC236}">
-                    <a16:creationId xmlns:a16="http://schemas.microsoft.com/office/drawing/2014/main" id="{B3171133-FECE-46E6-9191-9A23F87116C4}"/>
-                  </a:ext>
-                </a:extLst>
-              </p:cNvPr>
-              <p:cNvPicPr/>
-              <p:nvPr/>
-            </p:nvPicPr>
-            <p:blipFill>
-              <a:blip r:embed="rId4"/>
-              <a:stretch>
-                <a:fillRect/>
-              </a:stretch>
-            </p:blipFill>
-            <p:spPr>
-              <a:xfrm>
-                <a:off x="4383750" y="5054280"/>
-                <a:ext cx="811080" cy="216000"/>
-              </a:xfrm>
-              <a:prstGeom prst="rect">
-                <a:avLst/>
-              </a:prstGeom>
-            </p:spPr>
-          </p:pic>
-        </mc:Fallback>
-      </mc:AlternateContent>
-      <mc:AlternateContent xmlns:mc="http://schemas.openxmlformats.org/markup-compatibility/2006">
-        <mc:Choice xmlns:p14="http://schemas.microsoft.com/office/powerpoint/2010/main" Requires="p14">
-          <p:contentPart p14:bwMode="auto" r:id="rId5">
-            <p14:nvContentPartPr>
-              <p14:cNvPr id="12" name="Ink 11">
-                <a:extLst>
-                  <a:ext uri="{FF2B5EF4-FFF2-40B4-BE49-F238E27FC236}">
-                    <a16:creationId xmlns:a16="http://schemas.microsoft.com/office/drawing/2014/main" id="{A6E483C9-3CAE-4BF9-8E18-58753EBFE32A}"/>
-                  </a:ext>
-                </a:extLst>
-              </p14:cNvPr>
-              <p14:cNvContentPartPr/>
-              <p14:nvPr/>
-            </p14:nvContentPartPr>
-            <p14:xfrm>
-              <a:off x="8115150" y="8094480"/>
-              <a:ext cx="722520" cy="58680"/>
-            </p14:xfrm>
-          </p:contentPart>
-        </mc:Choice>
-        <mc:Fallback>
-          <p:pic>
-            <p:nvPicPr>
-              <p:cNvPr id="12" name="Ink 11">
-                <a:extLst>
-                  <a:ext uri="{FF2B5EF4-FFF2-40B4-BE49-F238E27FC236}">
-                    <a16:creationId xmlns:a16="http://schemas.microsoft.com/office/drawing/2014/main" id="{A6E483C9-3CAE-4BF9-8E18-58753EBFE32A}"/>
-                  </a:ext>
-                </a:extLst>
-              </p:cNvPr>
-              <p:cNvPicPr/>
-              <p:nvPr/>
-            </p:nvPicPr>
-            <p:blipFill>
-              <a:blip r:embed="rId6"/>
-              <a:stretch>
-                <a:fillRect/>
-              </a:stretch>
-            </p:blipFill>
-            <p:spPr>
-              <a:xfrm>
-                <a:off x="8061150" y="7986480"/>
-                <a:ext cx="830160" cy="274320"/>
-              </a:xfrm>
-              <a:prstGeom prst="rect">
-                <a:avLst/>
-              </a:prstGeom>
-            </p:spPr>
-          </p:pic>
-        </mc:Fallback>
-      </mc:AlternateContent>
-      <mc:AlternateContent xmlns:mc="http://schemas.openxmlformats.org/markup-compatibility/2006">
-        <mc:Choice xmlns:p14="http://schemas.microsoft.com/office/powerpoint/2010/main" Requires="p14">
-          <p:contentPart p14:bwMode="auto" r:id="rId7">
             <p14:nvContentPartPr>
               <p14:cNvPr id="13" name="Ink 12">
                 <a:extLst>
@@ -5273,7 +5084,7 @@
             </p14:xfrm>
           </p:contentPart>
         </mc:Choice>
-        <mc:Fallback>
+        <mc:Fallback xmlns="">
           <p:pic>
             <p:nvPicPr>
               <p:cNvPr id="13" name="Ink 12">
@@ -5304,8 +5115,8 @@
           </p:pic>
         </mc:Fallback>
       </mc:AlternateContent>
-      <mc:AlternateContent xmlns:mc="http://schemas.openxmlformats.org/markup-compatibility/2006">
-        <mc:Choice xmlns:p14="http://schemas.microsoft.com/office/powerpoint/2010/main" Requires="p14">
+      <mc:AlternateContent xmlns:mc="http://schemas.openxmlformats.org/markup-compatibility/2006" xmlns:p14="http://schemas.microsoft.com/office/powerpoint/2010/main">
+        <mc:Choice Requires="p14">
           <p:contentPart p14:bwMode="auto" r:id="rId9">
             <p14:nvContentPartPr>
               <p14:cNvPr id="16" name="Ink 15">
@@ -5324,7 +5135,7 @@
             </p14:xfrm>
           </p:contentPart>
         </mc:Choice>
-        <mc:Fallback>
+        <mc:Fallback xmlns="">
           <p:pic>
             <p:nvPicPr>
               <p:cNvPr id="16" name="Ink 15">
@@ -5355,111 +5166,9 @@
           </p:pic>
         </mc:Fallback>
       </mc:AlternateContent>
-      <mc:AlternateContent xmlns:mc="http://schemas.openxmlformats.org/markup-compatibility/2006">
-        <mc:Choice xmlns:p14="http://schemas.microsoft.com/office/powerpoint/2010/main" Requires="p14">
+      <mc:AlternateContent xmlns:mc="http://schemas.openxmlformats.org/markup-compatibility/2006" xmlns:p14="http://schemas.microsoft.com/office/powerpoint/2010/main">
+        <mc:Choice Requires="p14">
           <p:contentPart p14:bwMode="auto" r:id="rId11">
-            <p14:nvContentPartPr>
-              <p14:cNvPr id="19" name="Ink 18">
-                <a:extLst>
-                  <a:ext uri="{FF2B5EF4-FFF2-40B4-BE49-F238E27FC236}">
-                    <a16:creationId xmlns:a16="http://schemas.microsoft.com/office/drawing/2014/main" id="{523BB0DC-D648-4E6D-B5D5-9FE78338638B}"/>
-                  </a:ext>
-                </a:extLst>
-              </p14:cNvPr>
-              <p14:cNvContentPartPr/>
-              <p14:nvPr/>
-            </p14:nvContentPartPr>
-            <p14:xfrm>
-              <a:off x="6305070" y="6589680"/>
-              <a:ext cx="843480" cy="59760"/>
-            </p14:xfrm>
-          </p:contentPart>
-        </mc:Choice>
-        <mc:Fallback>
-          <p:pic>
-            <p:nvPicPr>
-              <p:cNvPr id="19" name="Ink 18">
-                <a:extLst>
-                  <a:ext uri="{FF2B5EF4-FFF2-40B4-BE49-F238E27FC236}">
-                    <a16:creationId xmlns:a16="http://schemas.microsoft.com/office/drawing/2014/main" id="{523BB0DC-D648-4E6D-B5D5-9FE78338638B}"/>
-                  </a:ext>
-                </a:extLst>
-              </p:cNvPr>
-              <p:cNvPicPr/>
-              <p:nvPr/>
-            </p:nvPicPr>
-            <p:blipFill>
-              <a:blip r:embed="rId12"/>
-              <a:stretch>
-                <a:fillRect/>
-              </a:stretch>
-            </p:blipFill>
-            <p:spPr>
-              <a:xfrm>
-                <a:off x="6251430" y="6482040"/>
-                <a:ext cx="951120" cy="275400"/>
-              </a:xfrm>
-              <a:prstGeom prst="rect">
-                <a:avLst/>
-              </a:prstGeom>
-            </p:spPr>
-          </p:pic>
-        </mc:Fallback>
-      </mc:AlternateContent>
-      <mc:AlternateContent xmlns:mc="http://schemas.openxmlformats.org/markup-compatibility/2006">
-        <mc:Choice xmlns:p14="http://schemas.microsoft.com/office/powerpoint/2010/main" Requires="p14">
-          <p:contentPart p14:bwMode="auto" r:id="rId13">
-            <p14:nvContentPartPr>
-              <p14:cNvPr id="22" name="Ink 21">
-                <a:extLst>
-                  <a:ext uri="{FF2B5EF4-FFF2-40B4-BE49-F238E27FC236}">
-                    <a16:creationId xmlns:a16="http://schemas.microsoft.com/office/drawing/2014/main" id="{9112DC1B-B92A-442A-A34D-8740BFA4649E}"/>
-                  </a:ext>
-                </a:extLst>
-              </p14:cNvPr>
-              <p14:cNvContentPartPr/>
-              <p14:nvPr/>
-            </p14:nvContentPartPr>
-            <p14:xfrm>
-              <a:off x="9867270" y="9523680"/>
-              <a:ext cx="778680" cy="20880"/>
-            </p14:xfrm>
-          </p:contentPart>
-        </mc:Choice>
-        <mc:Fallback>
-          <p:pic>
-            <p:nvPicPr>
-              <p:cNvPr id="22" name="Ink 21">
-                <a:extLst>
-                  <a:ext uri="{FF2B5EF4-FFF2-40B4-BE49-F238E27FC236}">
-                    <a16:creationId xmlns:a16="http://schemas.microsoft.com/office/drawing/2014/main" id="{9112DC1B-B92A-442A-A34D-8740BFA4649E}"/>
-                  </a:ext>
-                </a:extLst>
-              </p:cNvPr>
-              <p:cNvPicPr/>
-              <p:nvPr/>
-            </p:nvPicPr>
-            <p:blipFill>
-              <a:blip r:embed="rId14"/>
-              <a:stretch>
-                <a:fillRect/>
-              </a:stretch>
-            </p:blipFill>
-            <p:spPr>
-              <a:xfrm>
-                <a:off x="9813630" y="9416040"/>
-                <a:ext cx="886320" cy="236520"/>
-              </a:xfrm>
-              <a:prstGeom prst="rect">
-                <a:avLst/>
-              </a:prstGeom>
-            </p:spPr>
-          </p:pic>
-        </mc:Fallback>
-      </mc:AlternateContent>
-      <mc:AlternateContent xmlns:mc="http://schemas.openxmlformats.org/markup-compatibility/2006">
-        <mc:Choice xmlns:p14="http://schemas.microsoft.com/office/powerpoint/2010/main" Requires="p14">
-          <p:contentPart p14:bwMode="auto" r:id="rId15">
             <p14:nvContentPartPr>
               <p14:cNvPr id="23" name="Ink 22">
                 <a:extLst>
@@ -5477,7 +5186,7 @@
             </p14:xfrm>
           </p:contentPart>
         </mc:Choice>
-        <mc:Fallback>
+        <mc:Fallback xmlns="">
           <p:pic>
             <p:nvPicPr>
               <p:cNvPr id="23" name="Ink 22">
@@ -5508,213 +5217,9 @@
           </p:pic>
         </mc:Fallback>
       </mc:AlternateContent>
-      <mc:AlternateContent xmlns:mc="http://schemas.openxmlformats.org/markup-compatibility/2006">
-        <mc:Choice xmlns:p14="http://schemas.microsoft.com/office/powerpoint/2010/main" Requires="p14">
+      <mc:AlternateContent xmlns:mc="http://schemas.openxmlformats.org/markup-compatibility/2006" xmlns:p14="http://schemas.microsoft.com/office/powerpoint/2010/main">
+        <mc:Choice Requires="p14">
           <p:contentPart p14:bwMode="auto" r:id="rId17">
-            <p14:nvContentPartPr>
-              <p14:cNvPr id="24" name="Ink 23">
-                <a:extLst>
-                  <a:ext uri="{FF2B5EF4-FFF2-40B4-BE49-F238E27FC236}">
-                    <a16:creationId xmlns:a16="http://schemas.microsoft.com/office/drawing/2014/main" id="{981837CE-ED75-4076-BFCD-26F46594BE24}"/>
-                  </a:ext>
-                </a:extLst>
-              </p14:cNvPr>
-              <p14:cNvContentPartPr/>
-              <p14:nvPr/>
-            </p14:nvContentPartPr>
-            <p14:xfrm>
-              <a:off x="5904750" y="5237880"/>
-              <a:ext cx="1389600" cy="77760"/>
-            </p14:xfrm>
-          </p:contentPart>
-        </mc:Choice>
-        <mc:Fallback>
-          <p:pic>
-            <p:nvPicPr>
-              <p:cNvPr id="24" name="Ink 23">
-                <a:extLst>
-                  <a:ext uri="{FF2B5EF4-FFF2-40B4-BE49-F238E27FC236}">
-                    <a16:creationId xmlns:a16="http://schemas.microsoft.com/office/drawing/2014/main" id="{981837CE-ED75-4076-BFCD-26F46594BE24}"/>
-                  </a:ext>
-                </a:extLst>
-              </p:cNvPr>
-              <p:cNvPicPr/>
-              <p:nvPr/>
-            </p:nvPicPr>
-            <p:blipFill>
-              <a:blip r:embed="rId18"/>
-              <a:stretch>
-                <a:fillRect/>
-              </a:stretch>
-            </p:blipFill>
-            <p:spPr>
-              <a:xfrm>
-                <a:off x="5850750" y="5130240"/>
-                <a:ext cx="1497240" cy="293400"/>
-              </a:xfrm>
-              <a:prstGeom prst="rect">
-                <a:avLst/>
-              </a:prstGeom>
-            </p:spPr>
-          </p:pic>
-        </mc:Fallback>
-      </mc:AlternateContent>
-      <mc:AlternateContent xmlns:mc="http://schemas.openxmlformats.org/markup-compatibility/2006">
-        <mc:Choice xmlns:p14="http://schemas.microsoft.com/office/powerpoint/2010/main" Requires="p14">
-          <p:contentPart p14:bwMode="auto" r:id="rId19">
-            <p14:nvContentPartPr>
-              <p14:cNvPr id="25" name="Ink 24">
-                <a:extLst>
-                  <a:ext uri="{FF2B5EF4-FFF2-40B4-BE49-F238E27FC236}">
-                    <a16:creationId xmlns:a16="http://schemas.microsoft.com/office/drawing/2014/main" id="{CDCE7364-B46E-4E78-958E-243DCE9303FE}"/>
-                  </a:ext>
-                </a:extLst>
-              </p14:cNvPr>
-              <p14:cNvContentPartPr/>
-              <p14:nvPr/>
-            </p14:nvContentPartPr>
-            <p14:xfrm>
-              <a:off x="5771550" y="8055960"/>
-              <a:ext cx="1777680" cy="78480"/>
-            </p14:xfrm>
-          </p:contentPart>
-        </mc:Choice>
-        <mc:Fallback>
-          <p:pic>
-            <p:nvPicPr>
-              <p:cNvPr id="25" name="Ink 24">
-                <a:extLst>
-                  <a:ext uri="{FF2B5EF4-FFF2-40B4-BE49-F238E27FC236}">
-                    <a16:creationId xmlns:a16="http://schemas.microsoft.com/office/drawing/2014/main" id="{CDCE7364-B46E-4E78-958E-243DCE9303FE}"/>
-                  </a:ext>
-                </a:extLst>
-              </p:cNvPr>
-              <p:cNvPicPr/>
-              <p:nvPr/>
-            </p:nvPicPr>
-            <p:blipFill>
-              <a:blip r:embed="rId20"/>
-              <a:stretch>
-                <a:fillRect/>
-              </a:stretch>
-            </p:blipFill>
-            <p:spPr>
-              <a:xfrm>
-                <a:off x="5717550" y="7947960"/>
-                <a:ext cx="1885320" cy="294120"/>
-              </a:xfrm>
-              <a:prstGeom prst="rect">
-                <a:avLst/>
-              </a:prstGeom>
-            </p:spPr>
-          </p:pic>
-        </mc:Fallback>
-      </mc:AlternateContent>
-      <mc:AlternateContent xmlns:mc="http://schemas.openxmlformats.org/markup-compatibility/2006">
-        <mc:Choice xmlns:p14="http://schemas.microsoft.com/office/powerpoint/2010/main" Requires="p14">
-          <p:contentPart p14:bwMode="auto" r:id="rId21">
-            <p14:nvContentPartPr>
-              <p14:cNvPr id="26" name="Ink 25">
-                <a:extLst>
-                  <a:ext uri="{FF2B5EF4-FFF2-40B4-BE49-F238E27FC236}">
-                    <a16:creationId xmlns:a16="http://schemas.microsoft.com/office/drawing/2014/main" id="{6F51BA00-2FC6-4A56-89DF-0589ED10C535}"/>
-                  </a:ext>
-                </a:extLst>
-              </p14:cNvPr>
-              <p14:cNvContentPartPr/>
-              <p14:nvPr/>
-            </p14:nvContentPartPr>
-            <p14:xfrm>
-              <a:off x="9581070" y="7999440"/>
-              <a:ext cx="1636920" cy="96840"/>
-            </p14:xfrm>
-          </p:contentPart>
-        </mc:Choice>
-        <mc:Fallback>
-          <p:pic>
-            <p:nvPicPr>
-              <p:cNvPr id="26" name="Ink 25">
-                <a:extLst>
-                  <a:ext uri="{FF2B5EF4-FFF2-40B4-BE49-F238E27FC236}">
-                    <a16:creationId xmlns:a16="http://schemas.microsoft.com/office/drawing/2014/main" id="{6F51BA00-2FC6-4A56-89DF-0589ED10C535}"/>
-                  </a:ext>
-                </a:extLst>
-              </p:cNvPr>
-              <p:cNvPicPr/>
-              <p:nvPr/>
-            </p:nvPicPr>
-            <p:blipFill>
-              <a:blip r:embed="rId22"/>
-              <a:stretch>
-                <a:fillRect/>
-              </a:stretch>
-            </p:blipFill>
-            <p:spPr>
-              <a:xfrm>
-                <a:off x="9527430" y="7891800"/>
-                <a:ext cx="1744560" cy="312480"/>
-              </a:xfrm>
-              <a:prstGeom prst="rect">
-                <a:avLst/>
-              </a:prstGeom>
-            </p:spPr>
-          </p:pic>
-        </mc:Fallback>
-      </mc:AlternateContent>
-      <mc:AlternateContent xmlns:mc="http://schemas.openxmlformats.org/markup-compatibility/2006">
-        <mc:Choice xmlns:p14="http://schemas.microsoft.com/office/powerpoint/2010/main" Requires="p14">
-          <p:contentPart p14:bwMode="auto" r:id="rId23">
-            <p14:nvContentPartPr>
-              <p14:cNvPr id="27" name="Ink 26">
-                <a:extLst>
-                  <a:ext uri="{FF2B5EF4-FFF2-40B4-BE49-F238E27FC236}">
-                    <a16:creationId xmlns:a16="http://schemas.microsoft.com/office/drawing/2014/main" id="{6DB74352-5BF1-4D35-9DE7-B69160F73FFA}"/>
-                  </a:ext>
-                </a:extLst>
-              </p14:cNvPr>
-              <p14:cNvContentPartPr/>
-              <p14:nvPr/>
-            </p14:nvContentPartPr>
-            <p14:xfrm>
-              <a:off x="9676470" y="11010120"/>
-              <a:ext cx="1465200" cy="360"/>
-            </p14:xfrm>
-          </p:contentPart>
-        </mc:Choice>
-        <mc:Fallback>
-          <p:pic>
-            <p:nvPicPr>
-              <p:cNvPr id="27" name="Ink 26">
-                <a:extLst>
-                  <a:ext uri="{FF2B5EF4-FFF2-40B4-BE49-F238E27FC236}">
-                    <a16:creationId xmlns:a16="http://schemas.microsoft.com/office/drawing/2014/main" id="{6DB74352-5BF1-4D35-9DE7-B69160F73FFA}"/>
-                  </a:ext>
-                </a:extLst>
-              </p:cNvPr>
-              <p:cNvPicPr/>
-              <p:nvPr/>
-            </p:nvPicPr>
-            <p:blipFill>
-              <a:blip r:embed="rId24"/>
-              <a:stretch>
-                <a:fillRect/>
-              </a:stretch>
-            </p:blipFill>
-            <p:spPr>
-              <a:xfrm>
-                <a:off x="9622830" y="10902480"/>
-                <a:ext cx="1572840" cy="216000"/>
-              </a:xfrm>
-              <a:prstGeom prst="rect">
-                <a:avLst/>
-              </a:prstGeom>
-            </p:spPr>
-          </p:pic>
-        </mc:Fallback>
-      </mc:AlternateContent>
-      <mc:AlternateContent xmlns:mc="http://schemas.openxmlformats.org/markup-compatibility/2006">
-        <mc:Choice xmlns:p14="http://schemas.microsoft.com/office/powerpoint/2010/main" Requires="p14">
-          <p:contentPart p14:bwMode="auto" r:id="rId25">
             <p14:nvContentPartPr>
               <p14:cNvPr id="29" name="Ink 28">
                 <a:extLst>
@@ -5732,7 +5237,7 @@
             </p14:xfrm>
           </p:contentPart>
         </mc:Choice>
-        <mc:Fallback>
+        <mc:Fallback xmlns="">
           <p:pic>
             <p:nvPicPr>
               <p:cNvPr id="29" name="Ink 28">
@@ -5763,8 +5268,8 @@
           </p:pic>
         </mc:Fallback>
       </mc:AlternateContent>
-      <mc:AlternateContent xmlns:mc="http://schemas.openxmlformats.org/markup-compatibility/2006">
-        <mc:Choice xmlns:p14="http://schemas.microsoft.com/office/powerpoint/2010/main" Requires="p14">
+      <mc:AlternateContent xmlns:mc="http://schemas.openxmlformats.org/markup-compatibility/2006" xmlns:p14="http://schemas.microsoft.com/office/powerpoint/2010/main">
+        <mc:Choice Requires="p14">
           <p:contentPart p14:bwMode="auto" r:id="rId27">
             <p14:nvContentPartPr>
               <p14:cNvPr id="30" name="Ink 29">
@@ -5783,7 +5288,7 @@
             </p14:xfrm>
           </p:contentPart>
         </mc:Choice>
-        <mc:Fallback>
+        <mc:Fallback xmlns="">
           <p:pic>
             <p:nvPicPr>
               <p:cNvPr id="30" name="Ink 29">
@@ -5814,8 +5319,8 @@
           </p:pic>
         </mc:Fallback>
       </mc:AlternateContent>
-      <mc:AlternateContent xmlns:mc="http://schemas.openxmlformats.org/markup-compatibility/2006">
-        <mc:Choice xmlns:p14="http://schemas.microsoft.com/office/powerpoint/2010/main" Requires="p14">
+      <mc:AlternateContent xmlns:mc="http://schemas.openxmlformats.org/markup-compatibility/2006" xmlns:p14="http://schemas.microsoft.com/office/powerpoint/2010/main">
+        <mc:Choice Requires="p14">
           <p:contentPart p14:bwMode="auto" r:id="rId29">
             <p14:nvContentPartPr>
               <p14:cNvPr id="32" name="Ink 31">
@@ -5834,7 +5339,7 @@
             </p14:xfrm>
           </p:contentPart>
         </mc:Choice>
-        <mc:Fallback>
+        <mc:Fallback xmlns="">
           <p:pic>
             <p:nvPicPr>
               <p:cNvPr id="32" name="Ink 31">
@@ -5865,8 +5370,8 @@
           </p:pic>
         </mc:Fallback>
       </mc:AlternateContent>
-      <mc:AlternateContent xmlns:mc="http://schemas.openxmlformats.org/markup-compatibility/2006">
-        <mc:Choice xmlns:p14="http://schemas.microsoft.com/office/powerpoint/2010/main" Requires="p14">
+      <mc:AlternateContent xmlns:mc="http://schemas.openxmlformats.org/markup-compatibility/2006" xmlns:p14="http://schemas.microsoft.com/office/powerpoint/2010/main">
+        <mc:Choice Requires="p14">
           <p:contentPart p14:bwMode="auto" r:id="rId31">
             <p14:nvContentPartPr>
               <p14:cNvPr id="33" name="Ink 32">
@@ -5885,7 +5390,7 @@
             </p14:xfrm>
           </p:contentPart>
         </mc:Choice>
-        <mc:Fallback>
+        <mc:Fallback xmlns="">
           <p:pic>
             <p:nvPicPr>
               <p:cNvPr id="33" name="Ink 32">
@@ -5908,6 +5413,261 @@
               <a:xfrm>
                 <a:off x="19033950" y="6386280"/>
                 <a:ext cx="988920" cy="331920"/>
+              </a:xfrm>
+              <a:prstGeom prst="rect">
+                <a:avLst/>
+              </a:prstGeom>
+            </p:spPr>
+          </p:pic>
+        </mc:Fallback>
+      </mc:AlternateContent>
+      <mc:AlternateContent xmlns:mc="http://schemas.openxmlformats.org/markup-compatibility/2006">
+        <mc:Choice xmlns:p14="http://schemas.microsoft.com/office/powerpoint/2010/main" Requires="p14">
+          <p:contentPart p14:bwMode="auto" r:id="rId33">
+            <p14:nvContentPartPr>
+              <p14:cNvPr id="3" name="Ink 2">
+                <a:extLst>
+                  <a:ext uri="{FF2B5EF4-FFF2-40B4-BE49-F238E27FC236}">
+                    <a16:creationId xmlns:a16="http://schemas.microsoft.com/office/drawing/2014/main" id="{8562DE6C-6ED4-4BBD-A593-0F453018411A}"/>
+                  </a:ext>
+                </a:extLst>
+              </p14:cNvPr>
+              <p14:cNvContentPartPr/>
+              <p14:nvPr/>
+            </p14:nvContentPartPr>
+            <p14:xfrm>
+              <a:off x="9447870" y="11105520"/>
+              <a:ext cx="1693800" cy="135360"/>
+            </p14:xfrm>
+          </p:contentPart>
+        </mc:Choice>
+        <mc:Fallback>
+          <p:pic>
+            <p:nvPicPr>
+              <p:cNvPr id="3" name="Ink 2">
+                <a:extLst>
+                  <a:ext uri="{FF2B5EF4-FFF2-40B4-BE49-F238E27FC236}">
+                    <a16:creationId xmlns:a16="http://schemas.microsoft.com/office/drawing/2014/main" id="{8562DE6C-6ED4-4BBD-A593-0F453018411A}"/>
+                  </a:ext>
+                </a:extLst>
+              </p:cNvPr>
+              <p:cNvPicPr/>
+              <p:nvPr/>
+            </p:nvPicPr>
+            <p:blipFill>
+              <a:blip r:embed="rId34"/>
+              <a:stretch>
+                <a:fillRect/>
+              </a:stretch>
+            </p:blipFill>
+            <p:spPr>
+              <a:xfrm>
+                <a:off x="9394230" y="10997880"/>
+                <a:ext cx="1801440" cy="351000"/>
+              </a:xfrm>
+              <a:prstGeom prst="rect">
+                <a:avLst/>
+              </a:prstGeom>
+            </p:spPr>
+          </p:pic>
+        </mc:Fallback>
+      </mc:AlternateContent>
+      <mc:AlternateContent xmlns:mc="http://schemas.openxmlformats.org/markup-compatibility/2006">
+        <mc:Choice xmlns:p14="http://schemas.microsoft.com/office/powerpoint/2010/main" Requires="p14">
+          <p:contentPart p14:bwMode="auto" r:id="rId35">
+            <p14:nvContentPartPr>
+              <p14:cNvPr id="4" name="Ink 3">
+                <a:extLst>
+                  <a:ext uri="{FF2B5EF4-FFF2-40B4-BE49-F238E27FC236}">
+                    <a16:creationId xmlns:a16="http://schemas.microsoft.com/office/drawing/2014/main" id="{36875D4A-BFE6-4085-BD31-04C24D7AA12E}"/>
+                  </a:ext>
+                </a:extLst>
+              </p14:cNvPr>
+              <p14:cNvContentPartPr/>
+              <p14:nvPr/>
+            </p14:nvContentPartPr>
+            <p14:xfrm>
+              <a:off x="5943270" y="11029200"/>
+              <a:ext cx="1464840" cy="96480"/>
+            </p14:xfrm>
+          </p:contentPart>
+        </mc:Choice>
+        <mc:Fallback>
+          <p:pic>
+            <p:nvPicPr>
+              <p:cNvPr id="4" name="Ink 3">
+                <a:extLst>
+                  <a:ext uri="{FF2B5EF4-FFF2-40B4-BE49-F238E27FC236}">
+                    <a16:creationId xmlns:a16="http://schemas.microsoft.com/office/drawing/2014/main" id="{36875D4A-BFE6-4085-BD31-04C24D7AA12E}"/>
+                  </a:ext>
+                </a:extLst>
+              </p:cNvPr>
+              <p:cNvPicPr/>
+              <p:nvPr/>
+            </p:nvPicPr>
+            <p:blipFill>
+              <a:blip r:embed="rId36"/>
+              <a:stretch>
+                <a:fillRect/>
+              </a:stretch>
+            </p:blipFill>
+            <p:spPr>
+              <a:xfrm>
+                <a:off x="5889630" y="10921200"/>
+                <a:ext cx="1572480" cy="312120"/>
+              </a:xfrm>
+              <a:prstGeom prst="rect">
+                <a:avLst/>
+              </a:prstGeom>
+            </p:spPr>
+          </p:pic>
+        </mc:Fallback>
+      </mc:AlternateContent>
+      <mc:AlternateContent xmlns:mc="http://schemas.openxmlformats.org/markup-compatibility/2006">
+        <mc:Choice xmlns:p14="http://schemas.microsoft.com/office/powerpoint/2010/main" Requires="p14">
+          <p:contentPart p14:bwMode="auto" r:id="rId37">
+            <p14:nvContentPartPr>
+              <p14:cNvPr id="6" name="Ink 5">
+                <a:extLst>
+                  <a:ext uri="{FF2B5EF4-FFF2-40B4-BE49-F238E27FC236}">
+                    <a16:creationId xmlns:a16="http://schemas.microsoft.com/office/drawing/2014/main" id="{57DA6A52-3FF1-4D9B-98A9-313D6C165E3A}"/>
+                  </a:ext>
+                </a:extLst>
+              </p14:cNvPr>
+              <p14:cNvContentPartPr/>
+              <p14:nvPr/>
+            </p14:nvContentPartPr>
+            <p14:xfrm>
+              <a:off x="8133870" y="11124600"/>
+              <a:ext cx="689760" cy="136080"/>
+            </p14:xfrm>
+          </p:contentPart>
+        </mc:Choice>
+        <mc:Fallback>
+          <p:pic>
+            <p:nvPicPr>
+              <p:cNvPr id="6" name="Ink 5">
+                <a:extLst>
+                  <a:ext uri="{FF2B5EF4-FFF2-40B4-BE49-F238E27FC236}">
+                    <a16:creationId xmlns:a16="http://schemas.microsoft.com/office/drawing/2014/main" id="{57DA6A52-3FF1-4D9B-98A9-313D6C165E3A}"/>
+                  </a:ext>
+                </a:extLst>
+              </p:cNvPr>
+              <p:cNvPicPr/>
+              <p:nvPr/>
+            </p:nvPicPr>
+            <p:blipFill>
+              <a:blip r:embed="rId38"/>
+              <a:stretch>
+                <a:fillRect/>
+              </a:stretch>
+            </p:blipFill>
+            <p:spPr>
+              <a:xfrm>
+                <a:off x="8080230" y="11016600"/>
+                <a:ext cx="797400" cy="351720"/>
+              </a:xfrm>
+              <a:prstGeom prst="rect">
+                <a:avLst/>
+              </a:prstGeom>
+            </p:spPr>
+          </p:pic>
+        </mc:Fallback>
+      </mc:AlternateContent>
+      <mc:AlternateContent xmlns:mc="http://schemas.openxmlformats.org/markup-compatibility/2006">
+        <mc:Choice xmlns:p14="http://schemas.microsoft.com/office/powerpoint/2010/main" Requires="p14">
+          <p:contentPart p14:bwMode="auto" r:id="rId39">
+            <p14:nvContentPartPr>
+              <p14:cNvPr id="7" name="Ink 6">
+                <a:extLst>
+                  <a:ext uri="{FF2B5EF4-FFF2-40B4-BE49-F238E27FC236}">
+                    <a16:creationId xmlns:a16="http://schemas.microsoft.com/office/drawing/2014/main" id="{456ADE47-15CA-4F01-BA48-2EAFF489486D}"/>
+                  </a:ext>
+                </a:extLst>
+              </p14:cNvPr>
+              <p14:cNvContentPartPr/>
+              <p14:nvPr/>
+            </p14:nvContentPartPr>
+            <p14:xfrm>
+              <a:off x="4399950" y="9523680"/>
+              <a:ext cx="771840" cy="96480"/>
+            </p14:xfrm>
+          </p:contentPart>
+        </mc:Choice>
+        <mc:Fallback>
+          <p:pic>
+            <p:nvPicPr>
+              <p:cNvPr id="7" name="Ink 6">
+                <a:extLst>
+                  <a:ext uri="{FF2B5EF4-FFF2-40B4-BE49-F238E27FC236}">
+                    <a16:creationId xmlns:a16="http://schemas.microsoft.com/office/drawing/2014/main" id="{456ADE47-15CA-4F01-BA48-2EAFF489486D}"/>
+                  </a:ext>
+                </a:extLst>
+              </p:cNvPr>
+              <p:cNvPicPr/>
+              <p:nvPr/>
+            </p:nvPicPr>
+            <p:blipFill>
+              <a:blip r:embed="rId40"/>
+              <a:stretch>
+                <a:fillRect/>
+              </a:stretch>
+            </p:blipFill>
+            <p:spPr>
+              <a:xfrm>
+                <a:off x="4345950" y="9416040"/>
+                <a:ext cx="879480" cy="312120"/>
+              </a:xfrm>
+              <a:prstGeom prst="rect">
+                <a:avLst/>
+              </a:prstGeom>
+            </p:spPr>
+          </p:pic>
+        </mc:Fallback>
+      </mc:AlternateContent>
+      <mc:AlternateContent xmlns:mc="http://schemas.openxmlformats.org/markup-compatibility/2006">
+        <mc:Choice xmlns:p14="http://schemas.microsoft.com/office/powerpoint/2010/main" Requires="p14">
+          <p:contentPart p14:bwMode="auto" r:id="rId41">
+            <p14:nvContentPartPr>
+              <p14:cNvPr id="8" name="Ink 7">
+                <a:extLst>
+                  <a:ext uri="{FF2B5EF4-FFF2-40B4-BE49-F238E27FC236}">
+                    <a16:creationId xmlns:a16="http://schemas.microsoft.com/office/drawing/2014/main" id="{5F7A0BD6-52F3-4D55-8F5E-7172C4298A95}"/>
+                  </a:ext>
+                </a:extLst>
+              </p14:cNvPr>
+              <p14:cNvContentPartPr/>
+              <p14:nvPr/>
+            </p14:nvContentPartPr>
+            <p14:xfrm>
+              <a:off x="2132670" y="8115000"/>
+              <a:ext cx="1635480" cy="39600"/>
+            </p14:xfrm>
+          </p:contentPart>
+        </mc:Choice>
+        <mc:Fallback>
+          <p:pic>
+            <p:nvPicPr>
+              <p:cNvPr id="8" name="Ink 7">
+                <a:extLst>
+                  <a:ext uri="{FF2B5EF4-FFF2-40B4-BE49-F238E27FC236}">
+                    <a16:creationId xmlns:a16="http://schemas.microsoft.com/office/drawing/2014/main" id="{5F7A0BD6-52F3-4D55-8F5E-7172C4298A95}"/>
+                  </a:ext>
+                </a:extLst>
+              </p:cNvPr>
+              <p:cNvPicPr/>
+              <p:nvPr/>
+            </p:nvPicPr>
+            <p:blipFill>
+              <a:blip r:embed="rId42"/>
+              <a:stretch>
+                <a:fillRect/>
+              </a:stretch>
+            </p:blipFill>
+            <p:spPr>
+              <a:xfrm>
+                <a:off x="2079030" y="8007000"/>
+                <a:ext cx="1743120" cy="255240"/>
               </a:xfrm>
               <a:prstGeom prst="rect">
                 <a:avLst/>
@@ -6262,8 +6022,8 @@
           </a:prstGeom>
         </p:spPr>
       </p:pic>
-      <mc:AlternateContent xmlns:mc="http://schemas.openxmlformats.org/markup-compatibility/2006">
-        <mc:Choice xmlns:p14="http://schemas.microsoft.com/office/powerpoint/2010/main" Requires="p14">
+      <mc:AlternateContent xmlns:mc="http://schemas.openxmlformats.org/markup-compatibility/2006" xmlns:p14="http://schemas.microsoft.com/office/powerpoint/2010/main">
+        <mc:Choice Requires="p14">
           <p:contentPart p14:bwMode="auto" r:id="rId3">
             <p14:nvContentPartPr>
               <p14:cNvPr id="8" name="Ink 7">
@@ -6282,7 +6042,7 @@
             </p14:xfrm>
           </p:contentPart>
         </mc:Choice>
-        <mc:Fallback>
+        <mc:Fallback xmlns="">
           <p:pic>
             <p:nvPicPr>
               <p:cNvPr id="8" name="Ink 7">
@@ -6313,8 +6073,8 @@
           </p:pic>
         </mc:Fallback>
       </mc:AlternateContent>
-      <mc:AlternateContent xmlns:mc="http://schemas.openxmlformats.org/markup-compatibility/2006">
-        <mc:Choice xmlns:p14="http://schemas.microsoft.com/office/powerpoint/2010/main" Requires="p14">
+      <mc:AlternateContent xmlns:mc="http://schemas.openxmlformats.org/markup-compatibility/2006" xmlns:p14="http://schemas.microsoft.com/office/powerpoint/2010/main">
+        <mc:Choice Requires="p14">
           <p:contentPart p14:bwMode="auto" r:id="rId5">
             <p14:nvContentPartPr>
               <p14:cNvPr id="10" name="Ink 9">
@@ -6333,7 +6093,7 @@
             </p14:xfrm>
           </p:contentPart>
         </mc:Choice>
-        <mc:Fallback>
+        <mc:Fallback xmlns="">
           <p:pic>
             <p:nvPicPr>
               <p:cNvPr id="10" name="Ink 9">
@@ -6364,8 +6124,8 @@
           </p:pic>
         </mc:Fallback>
       </mc:AlternateContent>
-      <mc:AlternateContent xmlns:mc="http://schemas.openxmlformats.org/markup-compatibility/2006">
-        <mc:Choice xmlns:p14="http://schemas.microsoft.com/office/powerpoint/2010/main" Requires="p14">
+      <mc:AlternateContent xmlns:mc="http://schemas.openxmlformats.org/markup-compatibility/2006" xmlns:p14="http://schemas.microsoft.com/office/powerpoint/2010/main">
+        <mc:Choice Requires="p14">
           <p:contentPart p14:bwMode="auto" r:id="rId7">
             <p14:nvContentPartPr>
               <p14:cNvPr id="16" name="Ink 15">
@@ -6384,7 +6144,7 @@
             </p14:xfrm>
           </p:contentPart>
         </mc:Choice>
-        <mc:Fallback>
+        <mc:Fallback xmlns="">
           <p:pic>
             <p:nvPicPr>
               <p:cNvPr id="16" name="Ink 15">
@@ -6415,8 +6175,8 @@
           </p:pic>
         </mc:Fallback>
       </mc:AlternateContent>
-      <mc:AlternateContent xmlns:mc="http://schemas.openxmlformats.org/markup-compatibility/2006">
-        <mc:Choice xmlns:p14="http://schemas.microsoft.com/office/powerpoint/2010/main" Requires="p14">
+      <mc:AlternateContent xmlns:mc="http://schemas.openxmlformats.org/markup-compatibility/2006" xmlns:p14="http://schemas.microsoft.com/office/powerpoint/2010/main">
+        <mc:Choice Requires="p14">
           <p:contentPart p14:bwMode="auto" r:id="rId9">
             <p14:nvContentPartPr>
               <p14:cNvPr id="18" name="Ink 17">
@@ -6435,7 +6195,7 @@
             </p14:xfrm>
           </p:contentPart>
         </mc:Choice>
-        <mc:Fallback>
+        <mc:Fallback xmlns="">
           <p:pic>
             <p:nvPicPr>
               <p:cNvPr id="18" name="Ink 17">
@@ -6466,8 +6226,8 @@
           </p:pic>
         </mc:Fallback>
       </mc:AlternateContent>
-      <mc:AlternateContent xmlns:mc="http://schemas.openxmlformats.org/markup-compatibility/2006">
-        <mc:Choice xmlns:p14="http://schemas.microsoft.com/office/powerpoint/2010/main" Requires="p14">
+      <mc:AlternateContent xmlns:mc="http://schemas.openxmlformats.org/markup-compatibility/2006" xmlns:p14="http://schemas.microsoft.com/office/powerpoint/2010/main">
+        <mc:Choice Requires="p14">
           <p:contentPart p14:bwMode="auto" r:id="rId11">
             <p14:nvContentPartPr>
               <p14:cNvPr id="31" name="Ink 30">
@@ -6486,7 +6246,7 @@
             </p14:xfrm>
           </p:contentPart>
         </mc:Choice>
-        <mc:Fallback>
+        <mc:Fallback xmlns="">
           <p:pic>
             <p:nvPicPr>
               <p:cNvPr id="31" name="Ink 30">
@@ -6517,8 +6277,8 @@
           </p:pic>
         </mc:Fallback>
       </mc:AlternateContent>
-      <mc:AlternateContent xmlns:mc="http://schemas.openxmlformats.org/markup-compatibility/2006">
-        <mc:Choice xmlns:p14="http://schemas.microsoft.com/office/powerpoint/2010/main" Requires="p14">
+      <mc:AlternateContent xmlns:mc="http://schemas.openxmlformats.org/markup-compatibility/2006" xmlns:p14="http://schemas.microsoft.com/office/powerpoint/2010/main">
+        <mc:Choice Requires="p14">
           <p:contentPart p14:bwMode="auto" r:id="rId13">
             <p14:nvContentPartPr>
               <p14:cNvPr id="32" name="Ink 31">
@@ -6537,7 +6297,7 @@
             </p14:xfrm>
           </p:contentPart>
         </mc:Choice>
-        <mc:Fallback>
+        <mc:Fallback xmlns="">
           <p:pic>
             <p:nvPicPr>
               <p:cNvPr id="32" name="Ink 31">
@@ -6568,8 +6328,8 @@
           </p:pic>
         </mc:Fallback>
       </mc:AlternateContent>
-      <mc:AlternateContent xmlns:mc="http://schemas.openxmlformats.org/markup-compatibility/2006">
-        <mc:Choice xmlns:p14="http://schemas.microsoft.com/office/powerpoint/2010/main" Requires="p14">
+      <mc:AlternateContent xmlns:mc="http://schemas.openxmlformats.org/markup-compatibility/2006" xmlns:p14="http://schemas.microsoft.com/office/powerpoint/2010/main">
+        <mc:Choice Requires="p14">
           <p:contentPart p14:bwMode="auto" r:id="rId15">
             <p14:nvContentPartPr>
               <p14:cNvPr id="33" name="Ink 32">
@@ -6588,7 +6348,7 @@
             </p14:xfrm>
           </p:contentPart>
         </mc:Choice>
-        <mc:Fallback>
+        <mc:Fallback xmlns="">
           <p:pic>
             <p:nvPicPr>
               <p:cNvPr id="33" name="Ink 32">
@@ -6619,8 +6379,8 @@
           </p:pic>
         </mc:Fallback>
       </mc:AlternateContent>
-      <mc:AlternateContent xmlns:mc="http://schemas.openxmlformats.org/markup-compatibility/2006">
-        <mc:Choice xmlns:p14="http://schemas.microsoft.com/office/powerpoint/2010/main" Requires="p14">
+      <mc:AlternateContent xmlns:mc="http://schemas.openxmlformats.org/markup-compatibility/2006" xmlns:p14="http://schemas.microsoft.com/office/powerpoint/2010/main">
+        <mc:Choice Requires="p14">
           <p:contentPart p14:bwMode="auto" r:id="rId17">
             <p14:nvContentPartPr>
               <p14:cNvPr id="34" name="Ink 33">
@@ -6639,7 +6399,7 @@
             </p14:xfrm>
           </p:contentPart>
         </mc:Choice>
-        <mc:Fallback>
+        <mc:Fallback xmlns="">
           <p:pic>
             <p:nvPicPr>
               <p:cNvPr id="34" name="Ink 33">
@@ -6670,8 +6430,8 @@
           </p:pic>
         </mc:Fallback>
       </mc:AlternateContent>
-      <mc:AlternateContent xmlns:mc="http://schemas.openxmlformats.org/markup-compatibility/2006">
-        <mc:Choice xmlns:p14="http://schemas.microsoft.com/office/powerpoint/2010/main" Requires="p14">
+      <mc:AlternateContent xmlns:mc="http://schemas.openxmlformats.org/markup-compatibility/2006" xmlns:p14="http://schemas.microsoft.com/office/powerpoint/2010/main">
+        <mc:Choice Requires="p14">
           <p:contentPart p14:bwMode="auto" r:id="rId19">
             <p14:nvContentPartPr>
               <p14:cNvPr id="35" name="Ink 34">
@@ -6690,7 +6450,7 @@
             </p14:xfrm>
           </p:contentPart>
         </mc:Choice>
-        <mc:Fallback>
+        <mc:Fallback xmlns="">
           <p:pic>
             <p:nvPicPr>
               <p:cNvPr id="35" name="Ink 34">
@@ -6721,8 +6481,8 @@
           </p:pic>
         </mc:Fallback>
       </mc:AlternateContent>
-      <mc:AlternateContent xmlns:mc="http://schemas.openxmlformats.org/markup-compatibility/2006">
-        <mc:Choice xmlns:p14="http://schemas.microsoft.com/office/powerpoint/2010/main" Requires="p14">
+      <mc:AlternateContent xmlns:mc="http://schemas.openxmlformats.org/markup-compatibility/2006" xmlns:p14="http://schemas.microsoft.com/office/powerpoint/2010/main">
+        <mc:Choice Requires="p14">
           <p:contentPart p14:bwMode="auto" r:id="rId21">
             <p14:nvContentPartPr>
               <p14:cNvPr id="36" name="Ink 35">
@@ -6741,7 +6501,7 @@
             </p14:xfrm>
           </p:contentPart>
         </mc:Choice>
-        <mc:Fallback>
+        <mc:Fallback xmlns="">
           <p:pic>
             <p:nvPicPr>
               <p:cNvPr id="36" name="Ink 35">
@@ -6772,8 +6532,8 @@
           </p:pic>
         </mc:Fallback>
       </mc:AlternateContent>
-      <mc:AlternateContent xmlns:mc="http://schemas.openxmlformats.org/markup-compatibility/2006">
-        <mc:Choice xmlns:p14="http://schemas.microsoft.com/office/powerpoint/2010/main" Requires="p14">
+      <mc:AlternateContent xmlns:mc="http://schemas.openxmlformats.org/markup-compatibility/2006" xmlns:p14="http://schemas.microsoft.com/office/powerpoint/2010/main">
+        <mc:Choice Requires="p14">
           <p:contentPart p14:bwMode="auto" r:id="rId23">
             <p14:nvContentPartPr>
               <p14:cNvPr id="37" name="Ink 36">
@@ -6792,7 +6552,7 @@
             </p14:xfrm>
           </p:contentPart>
         </mc:Choice>
-        <mc:Fallback>
+        <mc:Fallback xmlns="">
           <p:pic>
             <p:nvPicPr>
               <p:cNvPr id="37" name="Ink 36">
@@ -12778,6 +12538,21 @@
 </file>
 
 <file path=customXml/item1.xml><?xml version="1.0" encoding="utf-8"?>
+<p:properties xmlns:p="http://schemas.microsoft.com/office/2006/metadata/properties" xmlns:xsi="http://www.w3.org/2001/XMLSchema-instance" xmlns:pc="http://schemas.microsoft.com/office/infopath/2007/PartnerControls">
+  <documentManagement/>
+</p:properties>
+</file>
+
+<file path=customXml/item2.xml><?xml version="1.0" encoding="utf-8"?>
+<?mso-contentType ?>
+<FormTemplates xmlns="http://schemas.microsoft.com/sharepoint/v3/contenttype/forms">
+  <Display>DocumentLibraryForm</Display>
+  <Edit>DocumentLibraryForm</Edit>
+  <New>DocumentLibraryForm</New>
+</FormTemplates>
+</file>
+
+<file path=customXml/item3.xml><?xml version="1.0" encoding="utf-8"?>
 <ct:contentTypeSchema xmlns:ct="http://schemas.microsoft.com/office/2006/metadata/contentType" xmlns:ma="http://schemas.microsoft.com/office/2006/metadata/properties/metaAttributes" ct:_="" ma:_="" ma:contentTypeName="Document" ma:contentTypeID="0x010100C95E54C855EC78418D00BFDBA37285E2" ma:contentTypeVersion="10" ma:contentTypeDescription="Create a new document." ma:contentTypeScope="" ma:versionID="6f573b1a45794110d2113225073deebc">
   <xsd:schema xmlns:xsd="http://www.w3.org/2001/XMLSchema" xmlns:xs="http://www.w3.org/2001/XMLSchema" xmlns:p="http://schemas.microsoft.com/office/2006/metadata/properties" xmlns:ns2="e5222402-7b9f-4113-8b8c-ea94d66e8e91" xmlns:ns3="77543c93-e606-407f-9220-765fca0937f2" targetNamespace="http://schemas.microsoft.com/office/2006/metadata/properties" ma:root="true" ma:fieldsID="09add58877d63566cf6918206b064d01" ns2:_="" ns3:_="">
     <xsd:import namespace="e5222402-7b9f-4113-8b8c-ea94d66e8e91"/>
@@ -12980,22 +12755,24 @@
 </ct:contentTypeSchema>
 </file>
 
-<file path=customXml/item2.xml><?xml version="1.0" encoding="utf-8"?>
-<?mso-contentType ?>
-<FormTemplates xmlns="http://schemas.microsoft.com/sharepoint/v3/contenttype/forms">
-  <Display>DocumentLibraryForm</Display>
-  <Edit>DocumentLibraryForm</Edit>
-  <New>DocumentLibraryForm</New>
-</FormTemplates>
+<file path=customXml/itemProps1.xml><?xml version="1.0" encoding="utf-8"?>
+<ds:datastoreItem xmlns:ds="http://schemas.openxmlformats.org/officeDocument/2006/customXml" ds:itemID="{0B24D49F-F276-498D-A24D-B13464F5F0FE}">
+  <ds:schemaRefs>
+    <ds:schemaRef ds:uri="http://schemas.microsoft.com/office/2006/metadata/properties"/>
+    <ds:schemaRef ds:uri="http://schemas.microsoft.com/office/infopath/2007/PartnerControls"/>
+  </ds:schemaRefs>
+</ds:datastoreItem>
 </file>
 
-<file path=customXml/item3.xml><?xml version="1.0" encoding="utf-8"?>
-<p:properties xmlns:p="http://schemas.microsoft.com/office/2006/metadata/properties" xmlns:xsi="http://www.w3.org/2001/XMLSchema-instance" xmlns:pc="http://schemas.microsoft.com/office/infopath/2007/PartnerControls">
-  <documentManagement/>
-</p:properties>
+<file path=customXml/itemProps2.xml><?xml version="1.0" encoding="utf-8"?>
+<ds:datastoreItem xmlns:ds="http://schemas.openxmlformats.org/officeDocument/2006/customXml" ds:itemID="{7DF2CD51-6DB2-48C4-8BB2-FE46CBA753F9}">
+  <ds:schemaRefs>
+    <ds:schemaRef ds:uri="http://schemas.microsoft.com/sharepoint/v3/contenttype/forms"/>
+  </ds:schemaRefs>
+</ds:datastoreItem>
 </file>
 
-<file path=customXml/itemProps1.xml><?xml version="1.0" encoding="utf-8"?>
+<file path=customXml/itemProps3.xml><?xml version="1.0" encoding="utf-8"?>
 <ds:datastoreItem xmlns:ds="http://schemas.openxmlformats.org/officeDocument/2006/customXml" ds:itemID="{EF189A91-6186-401E-99D4-B55CF2D4C04A}">
   <ds:schemaRefs>
     <ds:schemaRef ds:uri="http://schemas.microsoft.com/office/2006/metadata/contentType"/>
@@ -13012,21 +12789,4 @@
     <ds:schemaRef ds:uri="http://schemas.microsoft.com/internal/obd"/>
   </ds:schemaRefs>
 </ds:datastoreItem>
-</file>
-
-<file path=customXml/itemProps2.xml><?xml version="1.0" encoding="utf-8"?>
-<ds:datastoreItem xmlns:ds="http://schemas.openxmlformats.org/officeDocument/2006/customXml" ds:itemID="{7DF2CD51-6DB2-48C4-8BB2-FE46CBA753F9}">
-  <ds:schemaRefs>
-    <ds:schemaRef ds:uri="http://schemas.microsoft.com/sharepoint/v3/contenttype/forms"/>
-  </ds:schemaRefs>
-</ds:datastoreItem>
-</file>
-
-<file path=customXml/itemProps3.xml><?xml version="1.0" encoding="utf-8"?>
-<ds:datastoreItem xmlns:ds="http://schemas.openxmlformats.org/officeDocument/2006/customXml" ds:itemID="{0B24D49F-F276-498D-A24D-B13464F5F0FE}">
-  <ds:schemaRefs>
-    <ds:schemaRef ds:uri="http://schemas.microsoft.com/office/2006/metadata/properties"/>
-    <ds:schemaRef ds:uri="http://schemas.microsoft.com/office/infopath/2007/PartnerControls"/>
-  </ds:schemaRefs>
-</ds:datastoreItem>
 </file>